--- a/doc/ads proj3.pptx
+++ b/doc/ads proj3.pptx
@@ -10746,7 +10746,23 @@
             </a:r>
             <a:r>
               <a:rPr kumimoji="1" lang="en-US" altLang="zh-CN" dirty="0" smtClean="0"/>
-              <a:t>Fc6:</a:t>
+              <a:t>Norm1</a:t>
+            </a:r>
+            <a:r>
+              <a:rPr kumimoji="1" lang="zh-CN" altLang="en-US" dirty="0" smtClean="0"/>
+              <a:t> </a:t>
+            </a:r>
+            <a:r>
+              <a:rPr kumimoji="1" lang="en-US" altLang="zh-CN" dirty="0" smtClean="0"/>
+              <a:t>&amp;</a:t>
+            </a:r>
+            <a:r>
+              <a:rPr kumimoji="1" lang="zh-CN" altLang="en-US" dirty="0" smtClean="0"/>
+              <a:t> </a:t>
+            </a:r>
+            <a:r>
+              <a:rPr kumimoji="1" lang="en-US" altLang="zh-CN" dirty="0" smtClean="0"/>
+              <a:t>Conv3:</a:t>
             </a:r>
             <a:r>
               <a:rPr kumimoji="1" lang="zh-CN" altLang="en-US" dirty="0" smtClean="0"/>
@@ -12276,6 +12292,22 @@
               <a:rPr kumimoji="1" lang="en-US" altLang="zh-CN" dirty="0" smtClean="0"/>
               <a:t>Norm1</a:t>
             </a:r>
+            <a:r>
+              <a:rPr kumimoji="1" lang="zh-CN" altLang="en-US" dirty="0" smtClean="0"/>
+              <a:t> </a:t>
+            </a:r>
+            <a:r>
+              <a:rPr kumimoji="1" lang="en-US" altLang="zh-CN" dirty="0" smtClean="0"/>
+              <a:t>&amp;</a:t>
+            </a:r>
+            <a:r>
+              <a:rPr kumimoji="1" lang="zh-CN" altLang="en-US" dirty="0" smtClean="0"/>
+              <a:t> </a:t>
+            </a:r>
+            <a:r>
+              <a:rPr kumimoji="1" lang="en-US" altLang="zh-CN" dirty="0" smtClean="0"/>
+              <a:t>Conv3</a:t>
+            </a:r>
             <a:endParaRPr kumimoji="1" lang="en-US" altLang="zh-CN" dirty="0" smtClean="0"/>
           </a:p>
           <a:p>
@@ -12331,7 +12363,7 @@
             </a:r>
             <a:r>
               <a:rPr kumimoji="1" lang="en-US" altLang="zh-CN" dirty="0" smtClean="0"/>
-              <a:t>12</a:t>
+              <a:t>20</a:t>
             </a:r>
             <a:r>
               <a:rPr kumimoji="1" lang="zh-CN" altLang="en-US" dirty="0" smtClean="0"/>
@@ -12363,7 +12395,15 @@
             </a:r>
             <a:r>
               <a:rPr kumimoji="1" lang="en-US" altLang="zh-CN" dirty="0" smtClean="0"/>
-              <a:t>86.75%</a:t>
+              <a:t>91</a:t>
+            </a:r>
+            <a:r>
+              <a:rPr kumimoji="1" lang="en-US" altLang="zh-CN" dirty="0" smtClean="0"/>
+              <a:t>.75</a:t>
+            </a:r>
+            <a:r>
+              <a:rPr kumimoji="1" lang="en-US" altLang="zh-CN" dirty="0" smtClean="0"/>
+              <a:t>%</a:t>
             </a:r>
           </a:p>
           <a:p>
@@ -12507,9 +12547,16 @@
             </a:r>
             <a:r>
               <a:rPr kumimoji="1" lang="en-US" altLang="zh-CN" dirty="0" smtClean="0"/>
+              <a:t>roughly</a:t>
+            </a:r>
+            <a:r>
+              <a:rPr kumimoji="1" lang="zh-CN" altLang="en-US" dirty="0" smtClean="0"/>
+              <a:t> </a:t>
+            </a:r>
+            <a:r>
+              <a:rPr kumimoji="1" lang="en-US" altLang="zh-CN" dirty="0" smtClean="0"/>
               <a:t>96%.</a:t>
             </a:r>
-            <a:endParaRPr kumimoji="1" lang="en-US" altLang="zh-CN" dirty="0" smtClean="0"/>
           </a:p>
           <a:p>
             <a:pPr>
